--- a/Creole forth for excel - Forth Day.pptx
+++ b/Creole forth for excel - Forth Day.pptx
@@ -216,7 +216,7 @@
           <a:p>
             <a:fld id="{0E419CC2-0CF8-475F-BCAC-68C493F1D08C}" type="datetimeFigureOut">
               <a:rPr lang="en-US" smtClean="0"/>
-              <a:t>11/19/2016</a:t>
+              <a:t>12/7/2016</a:t>
             </a:fld>
             <a:endParaRPr lang="en-US"/>
           </a:p>
@@ -2326,7 +2326,7 @@
             <a:fld id="{B61BEF0D-F0BB-DE4B-95CE-6DB70DBA9567}" type="datetimeFigureOut">
               <a:rPr lang="en-US" dirty="0"/>
               <a:pPr/>
-              <a:t>11/19/2016</a:t>
+              <a:t>12/7/2016</a:t>
             </a:fld>
             <a:endParaRPr lang="en-US" dirty="0"/>
           </a:p>
@@ -2759,7 +2759,7 @@
             <a:fld id="{B61BEF0D-F0BB-DE4B-95CE-6DB70DBA9567}" type="datetimeFigureOut">
               <a:rPr lang="en-US" dirty="0"/>
               <a:pPr/>
-              <a:t>11/19/2016</a:t>
+              <a:t>12/7/2016</a:t>
             </a:fld>
             <a:endParaRPr lang="en-US" dirty="0"/>
           </a:p>
@@ -3006,7 +3006,7 @@
             <a:fld id="{B61BEF0D-F0BB-DE4B-95CE-6DB70DBA9567}" type="datetimeFigureOut">
               <a:rPr lang="en-US" dirty="0"/>
               <a:pPr/>
-              <a:t>11/19/2016</a:t>
+              <a:t>12/7/2016</a:t>
             </a:fld>
             <a:endParaRPr lang="en-US" dirty="0"/>
           </a:p>
@@ -3311,7 +3311,7 @@
             <a:fld id="{B61BEF0D-F0BB-DE4B-95CE-6DB70DBA9567}" type="datetimeFigureOut">
               <a:rPr lang="en-US" dirty="0"/>
               <a:pPr/>
-              <a:t>11/19/2016</a:t>
+              <a:t>12/7/2016</a:t>
             </a:fld>
             <a:endParaRPr lang="en-US" dirty="0"/>
           </a:p>
@@ -3626,7 +3626,7 @@
             <a:fld id="{B61BEF0D-F0BB-DE4B-95CE-6DB70DBA9567}" type="datetimeFigureOut">
               <a:rPr lang="en-US" dirty="0"/>
               <a:pPr/>
-              <a:t>11/19/2016</a:t>
+              <a:t>12/7/2016</a:t>
             </a:fld>
             <a:endParaRPr lang="en-US" dirty="0"/>
           </a:p>
@@ -3925,7 +3925,7 @@
             <a:fld id="{B61BEF0D-F0BB-DE4B-95CE-6DB70DBA9567}" type="datetimeFigureOut">
               <a:rPr lang="en-US" dirty="0"/>
               <a:pPr/>
-              <a:t>11/19/2016</a:t>
+              <a:t>12/7/2016</a:t>
             </a:fld>
             <a:endParaRPr lang="en-US" dirty="0"/>
           </a:p>
@@ -4289,7 +4289,7 @@
             <a:fld id="{B61BEF0D-F0BB-DE4B-95CE-6DB70DBA9567}" type="datetimeFigureOut">
               <a:rPr lang="en-US" dirty="0"/>
               <a:pPr/>
-              <a:t>11/19/2016</a:t>
+              <a:t>12/7/2016</a:t>
             </a:fld>
             <a:endParaRPr lang="en-US" dirty="0"/>
           </a:p>
@@ -4460,7 +4460,7 @@
             <a:fld id="{B61BEF0D-F0BB-DE4B-95CE-6DB70DBA9567}" type="datetimeFigureOut">
               <a:rPr lang="en-US" dirty="0"/>
               <a:pPr/>
-              <a:t>11/19/2016</a:t>
+              <a:t>12/7/2016</a:t>
             </a:fld>
             <a:endParaRPr lang="en-US" dirty="0"/>
           </a:p>
@@ -4637,7 +4637,7 @@
             <a:fld id="{B61BEF0D-F0BB-DE4B-95CE-6DB70DBA9567}" type="datetimeFigureOut">
               <a:rPr lang="en-US" dirty="0"/>
               <a:pPr/>
-              <a:t>11/19/2016</a:t>
+              <a:t>12/7/2016</a:t>
             </a:fld>
             <a:endParaRPr lang="en-US" dirty="0"/>
           </a:p>
@@ -4804,7 +4804,7 @@
             <a:fld id="{B61BEF0D-F0BB-DE4B-95CE-6DB70DBA9567}" type="datetimeFigureOut">
               <a:rPr lang="en-US" dirty="0"/>
               <a:pPr/>
-              <a:t>11/19/2016</a:t>
+              <a:t>12/7/2016</a:t>
             </a:fld>
             <a:endParaRPr lang="en-US" dirty="0"/>
           </a:p>
@@ -5051,7 +5051,7 @@
             <a:fld id="{B61BEF0D-F0BB-DE4B-95CE-6DB70DBA9567}" type="datetimeFigureOut">
               <a:rPr lang="en-US" dirty="0"/>
               <a:pPr/>
-              <a:t>11/19/2016</a:t>
+              <a:t>12/7/2016</a:t>
             </a:fld>
             <a:endParaRPr lang="en-US" dirty="0"/>
           </a:p>
@@ -5284,7 +5284,7 @@
             <a:fld id="{B61BEF0D-F0BB-DE4B-95CE-6DB70DBA9567}" type="datetimeFigureOut">
               <a:rPr lang="en-US" dirty="0"/>
               <a:pPr/>
-              <a:t>11/19/2016</a:t>
+              <a:t>12/7/2016</a:t>
             </a:fld>
             <a:endParaRPr lang="en-US" dirty="0"/>
           </a:p>
@@ -5663,7 +5663,7 @@
             <a:fld id="{B61BEF0D-F0BB-DE4B-95CE-6DB70DBA9567}" type="datetimeFigureOut">
               <a:rPr lang="en-US" dirty="0"/>
               <a:pPr/>
-              <a:t>11/19/2016</a:t>
+              <a:t>12/7/2016</a:t>
             </a:fld>
             <a:endParaRPr lang="en-US" dirty="0"/>
           </a:p>
@@ -5778,7 +5778,7 @@
             <a:fld id="{B61BEF0D-F0BB-DE4B-95CE-6DB70DBA9567}" type="datetimeFigureOut">
               <a:rPr lang="en-US" dirty="0"/>
               <a:pPr/>
-              <a:t>11/19/2016</a:t>
+              <a:t>12/7/2016</a:t>
             </a:fld>
             <a:endParaRPr lang="en-US" dirty="0"/>
           </a:p>
@@ -5870,7 +5870,7 @@
             <a:fld id="{B61BEF0D-F0BB-DE4B-95CE-6DB70DBA9567}" type="datetimeFigureOut">
               <a:rPr lang="en-US" dirty="0"/>
               <a:pPr/>
-              <a:t>11/19/2016</a:t>
+              <a:t>12/7/2016</a:t>
             </a:fld>
             <a:endParaRPr lang="en-US" dirty="0"/>
           </a:p>
@@ -6122,7 +6122,7 @@
             <a:fld id="{B61BEF0D-F0BB-DE4B-95CE-6DB70DBA9567}" type="datetimeFigureOut">
               <a:rPr lang="en-US" dirty="0"/>
               <a:pPr/>
-              <a:t>11/19/2016</a:t>
+              <a:t>12/7/2016</a:t>
             </a:fld>
             <a:endParaRPr lang="en-US" dirty="0"/>
           </a:p>
@@ -6402,7 +6402,7 @@
             <a:fld id="{B61BEF0D-F0BB-DE4B-95CE-6DB70DBA9567}" type="datetimeFigureOut">
               <a:rPr lang="en-US" dirty="0"/>
               <a:pPr/>
-              <a:t>11/19/2016</a:t>
+              <a:t>12/7/2016</a:t>
             </a:fld>
             <a:endParaRPr lang="en-US" dirty="0"/>
           </a:p>
@@ -6805,7 +6805,7 @@
             <a:fld id="{B61BEF0D-F0BB-DE4B-95CE-6DB70DBA9567}" type="datetimeFigureOut">
               <a:rPr lang="en-US" dirty="0"/>
               <a:pPr/>
-              <a:t>11/19/2016</a:t>
+              <a:t>12/7/2016</a:t>
             </a:fld>
             <a:endParaRPr lang="en-US" dirty="0"/>
           </a:p>
